--- a/2D Game Programing 최종발표.pptx
+++ b/2D Game Programing 최종발표.pptx
@@ -4014,14 +4014,14 @@
           <p:nvPr>
             <p:extLst>
               <p:ext uri="{D42A27DB-BD31-4B8C-83A1-F6EECF244321}">
-                <p14:modId xmlns:p14="http://schemas.microsoft.com/office/powerpoint/2010/main" val="3554043614"/>
+                <p14:modId xmlns:p14="http://schemas.microsoft.com/office/powerpoint/2010/main" val="4130769597"/>
               </p:ext>
             </p:extLst>
           </p:nvPr>
         </p:nvGraphicFramePr>
         <p:xfrm>
-          <a:off x="838203" y="780287"/>
-          <a:ext cx="10515597" cy="5761928"/>
+          <a:off x="838203" y="780288"/>
+          <a:ext cx="10515596" cy="5603709"/>
         </p:xfrm>
         <a:graphic>
           <a:graphicData uri="http://schemas.openxmlformats.org/drawingml/2006/table">
@@ -4030,29 +4030,36 @@
                 <a:tableStyleId>{5940675A-B579-460E-94D1-54222C63F5DA}</a:tableStyleId>
               </a:tblPr>
               <a:tblGrid>
-                <a:gridCol w="1200325">
+                <a:gridCol w="824535">
                   <a:extLst>
                     <a:ext uri="{9D8B030D-6E8A-4147-A177-3AD203B41FA5}">
                       <a16:colId xmlns:a16="http://schemas.microsoft.com/office/drawing/2014/main" val="2923241083"/>
                     </a:ext>
                   </a:extLst>
                 </a:gridCol>
-                <a:gridCol w="4522693">
+                <a:gridCol w="4544098">
                   <a:extLst>
                     <a:ext uri="{9D8B030D-6E8A-4147-A177-3AD203B41FA5}">
                       <a16:colId xmlns:a16="http://schemas.microsoft.com/office/drawing/2014/main" val="3401310352"/>
                     </a:ext>
                   </a:extLst>
                 </a:gridCol>
-                <a:gridCol w="4792579">
+                <a:gridCol w="4225637">
                   <a:extLst>
                     <a:ext uri="{9D8B030D-6E8A-4147-A177-3AD203B41FA5}">
                       <a16:colId xmlns:a16="http://schemas.microsoft.com/office/drawing/2014/main" val="118552932"/>
                     </a:ext>
                   </a:extLst>
                 </a:gridCol>
+                <a:gridCol w="921326">
+                  <a:extLst>
+                    <a:ext uri="{9D8B030D-6E8A-4147-A177-3AD203B41FA5}">
+                      <a16:colId xmlns:a16="http://schemas.microsoft.com/office/drawing/2014/main" val="2191733311"/>
+                    </a:ext>
+                  </a:extLst>
+                </a:gridCol>
               </a:tblGrid>
-              <a:tr h="354682">
+              <a:tr h="348003">
                 <a:tc>
                   <a:txBody>
                     <a:bodyPr/>
@@ -4116,13 +4123,34 @@
                     </a:solidFill>
                   </a:tcPr>
                 </a:tc>
+                <a:tc>
+                  <a:txBody>
+                    <a:bodyPr/>
+                    <a:lstStyle/>
+                    <a:p>
+                      <a:pPr algn="ctr" latinLnBrk="1"/>
+                      <a:r>
+                        <a:rPr lang="ko-KR" altLang="en-US" sz="1600" dirty="0"/>
+                        <a:t>진척도</a:t>
+                      </a:r>
+                    </a:p>
+                  </a:txBody>
+                  <a:tcPr>
+                    <a:solidFill>
+                      <a:schemeClr val="accent5">
+                        <a:lumMod val="20000"/>
+                        <a:lumOff val="80000"/>
+                      </a:schemeClr>
+                    </a:solidFill>
+                  </a:tcPr>
+                </a:tc>
                 <a:extLst>
                   <a:ext uri="{0D108BD9-81ED-4DB2-BD59-A6C34878D82A}">
                     <a16:rowId xmlns:a16="http://schemas.microsoft.com/office/drawing/2014/main" val="655526738"/>
                   </a:ext>
                 </a:extLst>
               </a:tr>
-              <a:tr h="601964">
+              <a:tr h="590628">
                 <a:tc>
                   <a:txBody>
                     <a:bodyPr/>
@@ -4194,22 +4222,6 @@
                         </a:rPr>
                         <a:t>변경</a:t>
                       </a:r>
-                      <a:endParaRPr lang="en-US" altLang="ko-KR" sz="1600" dirty="0">
-                        <a:solidFill>
-                          <a:schemeClr val="accent1"/>
-                        </a:solidFill>
-                      </a:endParaRPr>
-                    </a:p>
-                    <a:p>
-                      <a:pPr latinLnBrk="1"/>
-                      <a:r>
-                        <a:rPr lang="ko-KR" altLang="en-US" sz="1600" dirty="0"/>
-                        <a:t>                                                  </a:t>
-                      </a:r>
-                      <a:r>
-                        <a:rPr lang="en-US" altLang="ko-KR" sz="1800" b="1" dirty="0"/>
-                        <a:t>(100%)</a:t>
-                      </a:r>
                       <a:endParaRPr lang="ko-KR" altLang="en-US" sz="1800" b="1" dirty="0"/>
                     </a:p>
                   </a:txBody>
@@ -4273,13 +4285,40 @@
                     </a:solidFill>
                   </a:tcPr>
                 </a:tc>
+                <a:tc>
+                  <a:txBody>
+                    <a:bodyPr/>
+                    <a:lstStyle/>
+                    <a:p>
+                      <a:pPr algn="ctr" latinLnBrk="1"/>
+                      <a:r>
+                        <a:rPr lang="en-US" altLang="ko-KR" sz="1600" b="1" dirty="0">
+                          <a:solidFill>
+                            <a:schemeClr val="tx1"/>
+                          </a:solidFill>
+                        </a:rPr>
+                        <a:t>100%</a:t>
+                      </a:r>
+                      <a:endParaRPr lang="ko-KR" altLang="en-US" sz="1600" b="1" dirty="0">
+                        <a:solidFill>
+                          <a:schemeClr val="tx1"/>
+                        </a:solidFill>
+                      </a:endParaRPr>
+                    </a:p>
+                  </a:txBody>
+                  <a:tcPr>
+                    <a:solidFill>
+                      <a:schemeClr val="bg1"/>
+                    </a:solidFill>
+                  </a:tcPr>
+                </a:tc>
                 <a:extLst>
                   <a:ext uri="{0D108BD9-81ED-4DB2-BD59-A6C34878D82A}">
                     <a16:rowId xmlns:a16="http://schemas.microsoft.com/office/drawing/2014/main" val="19530995"/>
                   </a:ext>
                 </a:extLst>
               </a:tr>
-              <a:tr h="846738">
+              <a:tr h="830793">
                 <a:tc>
                   <a:txBody>
                     <a:bodyPr/>
@@ -4339,22 +4378,7 @@
                         <a:rPr lang="ko-KR" altLang="en-US" sz="1600" dirty="0"/>
                         <a:t> 설치</a:t>
                       </a:r>
-                      <a:endParaRPr lang="en-US" altLang="ko-KR" sz="1600" dirty="0"/>
-                    </a:p>
-                    <a:p>
-                      <a:pPr latinLnBrk="1"/>
-                      <a:endParaRPr lang="en-US" altLang="ko-KR" sz="1600" dirty="0"/>
-                    </a:p>
-                    <a:p>
-                      <a:pPr latinLnBrk="1"/>
-                      <a:r>
-                        <a:rPr lang="en-US" altLang="ko-KR" sz="1600" dirty="0"/>
-                        <a:t>                                                  </a:t>
-                      </a:r>
-                      <a:r>
-                        <a:rPr lang="en-US" altLang="ko-KR" sz="1800" b="1" dirty="0"/>
-                        <a:t>(100%)</a:t>
-                      </a:r>
+                      <a:endParaRPr lang="en-US" altLang="ko-KR" sz="1800" b="1" dirty="0"/>
                     </a:p>
                   </a:txBody>
                   <a:tcPr>
@@ -4523,7 +4547,7 @@
                             </a:schemeClr>
                           </a:solidFill>
                         </a:rPr>
-                        <a:t>                </a:t>
+                        <a:t>         </a:t>
                       </a:r>
                       <a:r>
                         <a:rPr lang="en-US" altLang="ko-KR" sz="1600" dirty="0">
@@ -4565,6 +4589,33 @@
                         </a:rPr>
                         <a:t> 물방울 탈출 아이템 사용</a:t>
                       </a:r>
+                    </a:p>
+                  </a:txBody>
+                  <a:tcPr>
+                    <a:solidFill>
+                      <a:schemeClr val="bg1"/>
+                    </a:solidFill>
+                  </a:tcPr>
+                </a:tc>
+                <a:tc>
+                  <a:txBody>
+                    <a:bodyPr/>
+                    <a:lstStyle/>
+                    <a:p>
+                      <a:pPr algn="ctr" latinLnBrk="1"/>
+                      <a:r>
+                        <a:rPr lang="en-US" altLang="ko-KR" sz="1600" b="1" dirty="0">
+                          <a:solidFill>
+                            <a:schemeClr val="tx1"/>
+                          </a:solidFill>
+                        </a:rPr>
+                        <a:t>100%</a:t>
+                      </a:r>
+                      <a:endParaRPr lang="ko-KR" altLang="en-US" sz="1600" b="1" dirty="0">
+                        <a:solidFill>
+                          <a:schemeClr val="tx1"/>
+                        </a:solidFill>
+                      </a:endParaRPr>
                     </a:p>
                   </a:txBody>
                   <a:tcPr>
@@ -4579,7 +4630,7 @@
                   </a:ext>
                 </a:extLst>
               </a:tr>
-              <a:tr h="388786">
+              <a:tr h="381465">
                 <a:tc>
                   <a:txBody>
                     <a:bodyPr/>
@@ -4637,11 +4688,7 @@
                       </a:r>
                       <a:r>
                         <a:rPr lang="en-US" altLang="ko-KR" sz="1600" dirty="0"/>
-                        <a:t>)           </a:t>
-                      </a:r>
-                      <a:r>
-                        <a:rPr lang="en-US" altLang="ko-KR" sz="1800" b="1" dirty="0"/>
-                        <a:t>(100%)</a:t>
+                        <a:t>)</a:t>
                       </a:r>
                       <a:endParaRPr lang="ko-KR" altLang="en-US" sz="1800" b="1" dirty="0"/>
                     </a:p>
@@ -4726,13 +4773,40 @@
                     </a:solidFill>
                   </a:tcPr>
                 </a:tc>
+                <a:tc>
+                  <a:txBody>
+                    <a:bodyPr/>
+                    <a:lstStyle/>
+                    <a:p>
+                      <a:pPr algn="ctr" latinLnBrk="1"/>
+                      <a:r>
+                        <a:rPr lang="en-US" altLang="ko-KR" sz="1600" b="1" dirty="0">
+                          <a:solidFill>
+                            <a:schemeClr val="tx1"/>
+                          </a:solidFill>
+                        </a:rPr>
+                        <a:t>100%</a:t>
+                      </a:r>
+                      <a:endParaRPr lang="ko-KR" altLang="en-US" sz="1600" b="1" dirty="0">
+                        <a:solidFill>
+                          <a:schemeClr val="tx1"/>
+                        </a:solidFill>
+                      </a:endParaRPr>
+                    </a:p>
+                  </a:txBody>
+                  <a:tcPr>
+                    <a:solidFill>
+                      <a:schemeClr val="bg1"/>
+                    </a:solidFill>
+                  </a:tcPr>
+                </a:tc>
                 <a:extLst>
                   <a:ext uri="{0D108BD9-81ED-4DB2-BD59-A6C34878D82A}">
                     <a16:rowId xmlns:a16="http://schemas.microsoft.com/office/drawing/2014/main" val="3643144779"/>
                   </a:ext>
                 </a:extLst>
               </a:tr>
-              <a:tr h="386337">
+              <a:tr h="568214">
                 <a:tc>
                   <a:txBody>
                     <a:bodyPr/>
@@ -4804,22 +4878,6 @@
                           </a:solidFill>
                         </a:rPr>
                         <a:t>일정시간이 지나도 랜덤으로 방향 변경</a:t>
-                      </a:r>
-                      <a:r>
-                        <a:rPr lang="en-US" altLang="ko-KR" sz="1600" dirty="0">
-                          <a:solidFill>
-                            <a:schemeClr val="accent1"/>
-                          </a:solidFill>
-                        </a:rPr>
-                        <a:t> </a:t>
-                      </a:r>
-                      <a:r>
-                        <a:rPr lang="en-US" altLang="ko-KR" sz="1800" b="1" dirty="0">
-                          <a:solidFill>
-                            <a:schemeClr val="tx1"/>
-                          </a:solidFill>
-                        </a:rPr>
-                        <a:t>(100%)</a:t>
                       </a:r>
                       <a:endParaRPr lang="ko-KR" altLang="en-US" sz="1800" b="1" dirty="0">
                         <a:solidFill>
@@ -4856,13 +4914,40 @@
                     </a:solidFill>
                   </a:tcPr>
                 </a:tc>
+                <a:tc>
+                  <a:txBody>
+                    <a:bodyPr/>
+                    <a:lstStyle/>
+                    <a:p>
+                      <a:pPr algn="ctr" latinLnBrk="1"/>
+                      <a:r>
+                        <a:rPr lang="en-US" altLang="ko-KR" sz="1600" b="1" dirty="0">
+                          <a:solidFill>
+                            <a:schemeClr val="tx1"/>
+                          </a:solidFill>
+                        </a:rPr>
+                        <a:t>100%</a:t>
+                      </a:r>
+                      <a:endParaRPr lang="ko-KR" altLang="en-US" sz="1600" b="1" dirty="0">
+                        <a:solidFill>
+                          <a:schemeClr val="tx1"/>
+                        </a:solidFill>
+                      </a:endParaRPr>
+                    </a:p>
+                  </a:txBody>
+                  <a:tcPr>
+                    <a:solidFill>
+                      <a:schemeClr val="bg1"/>
+                    </a:solidFill>
+                  </a:tcPr>
+                </a:tc>
                 <a:extLst>
                   <a:ext uri="{0D108BD9-81ED-4DB2-BD59-A6C34878D82A}">
                     <a16:rowId xmlns:a16="http://schemas.microsoft.com/office/drawing/2014/main" val="3033003103"/>
                   </a:ext>
                 </a:extLst>
               </a:tr>
-              <a:tr h="595853">
+              <a:tr h="584632">
                 <a:tc>
                   <a:txBody>
                     <a:bodyPr/>
@@ -4909,22 +4994,6 @@
                           </a:solidFill>
                         </a:rPr>
                         <a:t>속도증가</a:t>
-                      </a:r>
-                      <a:r>
-                        <a:rPr lang="ko-KR" altLang="en-US" sz="1600" dirty="0">
-                          <a:solidFill>
-                            <a:srgbClr val="FF0000"/>
-                          </a:solidFill>
-                        </a:rPr>
-                        <a:t>                                  </a:t>
-                      </a:r>
-                      <a:r>
-                        <a:rPr lang="en-US" altLang="ko-KR" sz="1800" b="1" dirty="0">
-                          <a:solidFill>
-                            <a:schemeClr val="tx1"/>
-                          </a:solidFill>
-                        </a:rPr>
-                        <a:t>(100%)</a:t>
                       </a:r>
                       <a:endParaRPr lang="ko-KR" altLang="en-US" sz="1800" b="1" dirty="0">
                         <a:solidFill>
@@ -4979,13 +5048,56 @@
                     </a:solidFill>
                   </a:tcPr>
                 </a:tc>
+                <a:tc>
+                  <a:txBody>
+                    <a:bodyPr/>
+                    <a:lstStyle/>
+                    <a:p>
+                      <a:pPr marL="0" marR="0" lvl="0" indent="0" algn="ctr" defTabSz="914400" rtl="0" eaLnBrk="1" fontAlgn="auto" latinLnBrk="1" hangingPunct="1">
+                        <a:lnSpc>
+                          <a:spcPct val="100000"/>
+                        </a:lnSpc>
+                        <a:spcBef>
+                          <a:spcPts val="0"/>
+                        </a:spcBef>
+                        <a:spcAft>
+                          <a:spcPts val="0"/>
+                        </a:spcAft>
+                        <a:buClrTx/>
+                        <a:buSzTx/>
+                        <a:buFontTx/>
+                        <a:buNone/>
+                        <a:tabLst/>
+                        <a:defRPr/>
+                      </a:pPr>
+                      <a:r>
+                        <a:rPr lang="en-US" altLang="ko-KR" sz="1600" b="1" dirty="0">
+                          <a:solidFill>
+                            <a:schemeClr val="tx1"/>
+                          </a:solidFill>
+                        </a:rPr>
+                        <a:t>100%</a:t>
+                      </a:r>
+                      <a:endParaRPr lang="ko-KR" altLang="en-US" sz="1600" b="1" dirty="0">
+                        <a:solidFill>
+                          <a:schemeClr val="tx1"/>
+                        </a:solidFill>
+                      </a:endParaRPr>
+                    </a:p>
+                  </a:txBody>
+                  <a:tcPr>
+                    <a:solidFill>
+                      <a:schemeClr val="bg1"/>
+                    </a:solidFill>
+                  </a:tcPr>
+                </a:tc>
                 <a:extLst>
                   <a:ext uri="{0D108BD9-81ED-4DB2-BD59-A6C34878D82A}">
                     <a16:rowId xmlns:a16="http://schemas.microsoft.com/office/drawing/2014/main" val="352466258"/>
                   </a:ext>
                 </a:extLst>
               </a:tr>
-              <a:tr h="1117020">
+              <a:tr h="1095985">
                 <a:tc>
                   <a:txBody>
                     <a:bodyPr/>
@@ -5115,16 +5227,13 @@
                       </a:r>
                       <a:r>
                         <a:rPr lang="en-US" altLang="ko-KR" sz="1600" dirty="0"/>
-                        <a:t>)            </a:t>
-                      </a:r>
-                      <a:r>
-                        <a:rPr lang="en-US" altLang="ko-KR" sz="1800" b="1" dirty="0">
-                          <a:solidFill>
-                            <a:schemeClr val="tx1"/>
-                          </a:solidFill>
-                        </a:rPr>
-                        <a:t>(80%)</a:t>
-                      </a:r>
+                        <a:t>)</a:t>
+                      </a:r>
+                      <a:endParaRPr lang="en-US" altLang="ko-KR" sz="1800" b="1" dirty="0">
+                        <a:solidFill>
+                          <a:schemeClr val="tx1"/>
+                        </a:solidFill>
+                      </a:endParaRPr>
                     </a:p>
                   </a:txBody>
                   <a:tcPr>
@@ -5187,13 +5296,40 @@
                     </a:solidFill>
                   </a:tcPr>
                 </a:tc>
+                <a:tc>
+                  <a:txBody>
+                    <a:bodyPr/>
+                    <a:lstStyle/>
+                    <a:p>
+                      <a:pPr algn="ctr" latinLnBrk="1"/>
+                      <a:r>
+                        <a:rPr lang="en-US" altLang="ko-KR" sz="1600" b="1" dirty="0">
+                          <a:solidFill>
+                            <a:schemeClr val="tx1"/>
+                          </a:solidFill>
+                        </a:rPr>
+                        <a:t>80%</a:t>
+                      </a:r>
+                      <a:endParaRPr lang="ko-KR" altLang="en-US" sz="1600" b="1" dirty="0">
+                        <a:solidFill>
+                          <a:schemeClr val="tx1"/>
+                        </a:solidFill>
+                      </a:endParaRPr>
+                    </a:p>
+                  </a:txBody>
+                  <a:tcPr>
+                    <a:solidFill>
+                      <a:schemeClr val="bg1"/>
+                    </a:solidFill>
+                  </a:tcPr>
+                </a:tc>
                 <a:extLst>
                   <a:ext uri="{0D108BD9-81ED-4DB2-BD59-A6C34878D82A}">
                     <a16:rowId xmlns:a16="http://schemas.microsoft.com/office/drawing/2014/main" val="232996107"/>
                   </a:ext>
                 </a:extLst>
               </a:tr>
-              <a:tr h="606382">
+              <a:tr h="594963">
                 <a:tc>
                   <a:txBody>
                     <a:bodyPr/>
@@ -5246,12 +5382,9 @@
                       </a:r>
                       <a:r>
                         <a:rPr lang="ko-KR" altLang="en-US" sz="1600" dirty="0"/>
-                        <a:t> 설치 효과음                         </a:t>
-                      </a:r>
-                      <a:r>
-                        <a:rPr lang="en-US" altLang="ko-KR" sz="1800" b="1" dirty="0"/>
-                        <a:t>(100%)</a:t>
-                      </a:r>
+                        <a:t> 설치 효과음</a:t>
+                      </a:r>
+                      <a:endParaRPr lang="en-US" altLang="ko-KR" sz="1800" b="1" dirty="0"/>
                     </a:p>
                   </a:txBody>
                   <a:tcPr>
@@ -5294,13 +5427,40 @@
                     </a:solidFill>
                   </a:tcPr>
                 </a:tc>
+                <a:tc>
+                  <a:txBody>
+                    <a:bodyPr/>
+                    <a:lstStyle/>
+                    <a:p>
+                      <a:pPr algn="ctr" latinLnBrk="1"/>
+                      <a:r>
+                        <a:rPr lang="en-US" altLang="ko-KR" sz="1600" b="1" dirty="0">
+                          <a:solidFill>
+                            <a:schemeClr val="tx1"/>
+                          </a:solidFill>
+                        </a:rPr>
+                        <a:t>100%</a:t>
+                      </a:r>
+                      <a:endParaRPr lang="ko-KR" altLang="en-US" sz="1600" b="1" dirty="0">
+                        <a:solidFill>
+                          <a:schemeClr val="tx1"/>
+                        </a:solidFill>
+                      </a:endParaRPr>
+                    </a:p>
+                  </a:txBody>
+                  <a:tcPr>
+                    <a:solidFill>
+                      <a:schemeClr val="bg1"/>
+                    </a:solidFill>
+                  </a:tcPr>
+                </a:tc>
                 <a:extLst>
                   <a:ext uri="{0D108BD9-81ED-4DB2-BD59-A6C34878D82A}">
                     <a16:rowId xmlns:a16="http://schemas.microsoft.com/office/drawing/2014/main" val="3203543224"/>
                   </a:ext>
                 </a:extLst>
               </a:tr>
-              <a:tr h="606382">
+              <a:tr h="598120">
                 <a:tc>
                   <a:txBody>
                     <a:bodyPr/>
@@ -5378,11 +5538,7 @@
                       </a:r>
                       <a:r>
                         <a:rPr lang="ko-KR" altLang="en-US" sz="1600" dirty="0"/>
-                        <a:t> 터짐  </a:t>
-                      </a:r>
-                      <a:r>
-                        <a:rPr lang="en-US" altLang="ko-KR" sz="1800" b="1" dirty="0"/>
-                        <a:t>(100%)</a:t>
+                        <a:t> 터짐</a:t>
                       </a:r>
                       <a:endParaRPr lang="ko-KR" altLang="en-US" sz="1800" b="1" dirty="0"/>
                     </a:p>
@@ -5479,6 +5635,33 @@
                         </a:rPr>
                         <a:t>아이템 떠있는 효과</a:t>
                       </a:r>
+                    </a:p>
+                  </a:txBody>
+                  <a:tcPr>
+                    <a:solidFill>
+                      <a:schemeClr val="bg1"/>
+                    </a:solidFill>
+                  </a:tcPr>
+                </a:tc>
+                <a:tc>
+                  <a:txBody>
+                    <a:bodyPr/>
+                    <a:lstStyle/>
+                    <a:p>
+                      <a:pPr algn="ctr" latinLnBrk="1"/>
+                      <a:r>
+                        <a:rPr lang="en-US" altLang="ko-KR" sz="1600" b="1" dirty="0">
+                          <a:solidFill>
+                            <a:schemeClr val="tx1"/>
+                          </a:solidFill>
+                        </a:rPr>
+                        <a:t>100%</a:t>
+                      </a:r>
+                      <a:endParaRPr lang="ko-KR" altLang="en-US" sz="1600" b="1" dirty="0">
+                        <a:solidFill>
+                          <a:schemeClr val="tx1"/>
+                        </a:solidFill>
+                      </a:endParaRPr>
                     </a:p>
                   </a:txBody>
                   <a:tcPr>
